--- a/3 задачи, которые часто задают на собеседованиях.pptx
+++ b/3 задачи, которые часто задают на собеседованиях.pptx
@@ -3685,27 +3685,7 @@
                   </a:schemeClr>
                 </a:solidFill>
               </a:rPr>
-              <a:t>Задача на </a:t>
-            </a:r>
-            <a:r>
-              <a:rPr lang="ru-RU" dirty="0" smtClean="0">
-                <a:solidFill>
-                  <a:schemeClr val="bg2">
-                    <a:lumMod val="25000"/>
-                  </a:schemeClr>
-                </a:solidFill>
-              </a:rPr>
-              <a:t>знание приведения </a:t>
-            </a:r>
-            <a:r>
-              <a:rPr lang="ru-RU" dirty="0" smtClean="0">
-                <a:solidFill>
-                  <a:schemeClr val="bg2">
-                    <a:lumMod val="25000"/>
-                  </a:schemeClr>
-                </a:solidFill>
-              </a:rPr>
-              <a:t>к типу данных в </a:t>
+              <a:t>Задача на знание приведения к типу данных в </a:t>
             </a:r>
             <a:r>
               <a:rPr lang="ru-RU" dirty="0" err="1" smtClean="0">
@@ -3857,7 +3837,7 @@
       </p:sp>
       <p:sp>
         <p:nvSpPr>
-          <p:cNvPr id="6" name="Объект 5"/>
+          <p:cNvPr id="3" name="Объект 2"/>
           <p:cNvSpPr>
             <a:spLocks noGrp="1"/>
           </p:cNvSpPr>
@@ -3867,41 +3847,104 @@
         </p:nvSpPr>
         <p:spPr>
           <a:xfrm>
-            <a:off x="6437376" y="1839310"/>
-            <a:ext cx="5135880" cy="4207922"/>
+            <a:off x="838200" y="1825625"/>
+            <a:ext cx="10515600" cy="4351338"/>
           </a:xfrm>
         </p:spPr>
         <p:txBody>
-          <a:bodyPr>
-            <a:normAutofit/>
-          </a:bodyPr>
-          <a:lstStyle/>
-          <a:p>
-            <a:pPr marL="0" indent="0">
-              <a:buNone/>
+          <a:bodyPr/>
+          <a:lstStyle/>
+          <a:p>
+            <a:pPr marL="514350" indent="-514350">
+              <a:buFont typeface="+mj-lt"/>
+              <a:buAutoNum type="arabicPeriod"/>
             </a:pPr>
-            <a:endParaRPr lang="ru-RU" dirty="0"/>
-          </a:p>
-        </p:txBody>
-      </p:sp>
-      <p:sp>
-        <p:nvSpPr>
-          <p:cNvPr id="3" name="Объект 2"/>
-          <p:cNvSpPr>
-            <a:spLocks noGrp="1"/>
-          </p:cNvSpPr>
-          <p:nvPr>
-            <p:ph sz="half" idx="1"/>
-          </p:nvPr>
-        </p:nvSpPr>
-        <p:spPr/>
-        <p:txBody>
-          <a:bodyPr/>
-          <a:lstStyle/>
-          <a:p>
-            <a:pPr marL="0" indent="0">
-              <a:buNone/>
+            <a:r>
+              <a:rPr lang="ru-RU" dirty="0" smtClean="0"/>
+              <a:t>Статья на </a:t>
+            </a:r>
+            <a:r>
+              <a:rPr lang="en-US" dirty="0"/>
+              <a:t>GitHub - </a:t>
+            </a:r>
+            <a:r>
+              <a:rPr lang="en-US" dirty="0">
+                <a:hlinkClick r:id="rId2"/>
+              </a:rPr>
+              <a:t>https://</a:t>
+            </a:r>
+            <a:r>
+              <a:rPr lang="en-US" dirty="0" smtClean="0">
+                <a:hlinkClick r:id="rId2"/>
+              </a:rPr>
+              <a:t>github.com/AlexLazareva/top5-questions</a:t>
+            </a:r>
+            <a:endParaRPr lang="ru-RU" dirty="0" smtClean="0"/>
+          </a:p>
+          <a:p>
+            <a:pPr marL="514350" indent="-514350">
+              <a:buFont typeface="+mj-lt"/>
+              <a:buAutoNum type="arabicPeriod"/>
             </a:pPr>
+            <a:r>
+              <a:rPr lang="ru-RU" dirty="0" smtClean="0"/>
+              <a:t>Методы массива - </a:t>
+            </a:r>
+            <a:r>
+              <a:rPr lang="en-US" dirty="0">
+                <a:hlinkClick r:id="rId3"/>
+              </a:rPr>
+              <a:t>http://learn.javascript.ru/array-methods#</a:t>
+            </a:r>
+            <a:r>
+              <a:rPr lang="ru-RU" dirty="0">
+                <a:hlinkClick r:id="rId3"/>
+              </a:rPr>
+              <a:t>сортировка-метод-</a:t>
+            </a:r>
+            <a:r>
+              <a:rPr lang="en-US" dirty="0" smtClean="0">
+                <a:hlinkClick r:id="rId3"/>
+              </a:rPr>
+              <a:t>sort-</a:t>
+            </a:r>
+            <a:r>
+              <a:rPr lang="en-US" dirty="0" err="1" smtClean="0">
+                <a:hlinkClick r:id="rId3"/>
+              </a:rPr>
+              <a:t>fn</a:t>
+            </a:r>
+            <a:r>
+              <a:rPr lang="ru-RU" smtClean="0"/>
+              <a:t> </a:t>
+            </a:r>
+            <a:endParaRPr lang="en-US" dirty="0" smtClean="0"/>
+          </a:p>
+          <a:p>
+            <a:pPr marL="514350" indent="-514350">
+              <a:buFont typeface="+mj-lt"/>
+              <a:buAutoNum type="arabicPeriod"/>
+            </a:pPr>
+            <a:r>
+              <a:rPr lang="ru-RU" dirty="0" smtClean="0"/>
+              <a:t>Преобразование типов данных - </a:t>
+            </a:r>
+            <a:r>
+              <a:rPr lang="en-US" dirty="0">
+                <a:hlinkClick r:id="rId4"/>
+              </a:rPr>
+              <a:t>http://learn.javascript.ru/types-conversion#</a:t>
+            </a:r>
+            <a:r>
+              <a:rPr lang="ru-RU" dirty="0" smtClean="0">
+                <a:hlinkClick r:id="rId4"/>
+              </a:rPr>
+              <a:t>численное-преобразование</a:t>
+            </a:r>
+            <a:r>
+              <a:rPr lang="ru-RU" dirty="0" smtClean="0"/>
+              <a:t> </a:t>
+            </a:r>
             <a:endParaRPr lang="ru-RU" dirty="0"/>
           </a:p>
         </p:txBody>
